--- a/课下实验/lab6-challenge/答辩.pptx
+++ b/课下实验/lab6-challenge/答辩.pptx
@@ -7680,144 +7680,6 @@
       </p:pic>
       <p:sp>
         <p:nvSpPr>
-          <p:cNvPr id="2" name="文本框 1"/>
-          <p:cNvSpPr txBox="1"/>
-          <p:nvPr/>
-        </p:nvSpPr>
-        <p:spPr>
-          <a:xfrm>
-            <a:off x="3064481" y="5479572"/>
-            <a:ext cx="6063010" cy="301625"/>
-          </a:xfrm>
-          <a:prstGeom prst="rect">
-            <a:avLst/>
-          </a:prstGeom>
-          <a:noFill/>
-        </p:spPr>
-        <p:txBody>
-          <a:bodyPr wrap="square" rtlCol="0">
-            <a:spAutoFit/>
-            <a:scene3d>
-              <a:camera prst="orthographicFront"/>
-              <a:lightRig rig="threePt" dir="t"/>
-            </a:scene3d>
-            <a:sp3d contourW="12700"/>
-          </a:bodyPr>
-          <a:lstStyle/>
-          <a:p>
-            <a:pPr marL="0" marR="0" lvl="0" indent="0" algn="ctr" defTabSz="914400" rtl="0" eaLnBrk="1" fontAlgn="auto" latinLnBrk="0" hangingPunct="1">
-              <a:lnSpc>
-                <a:spcPct val="114000"/>
-              </a:lnSpc>
-              <a:spcBef>
-                <a:spcPts val="0"/>
-              </a:spcBef>
-              <a:spcAft>
-                <a:spcPts val="0"/>
-              </a:spcAft>
-              <a:buClrTx/>
-              <a:buSzTx/>
-              <a:buFontTx/>
-              <a:buNone/>
-              <a:defRPr/>
-            </a:pPr>
-            <a:r>
-              <a:rPr kumimoji="0" lang="zh-CN" altLang="en-US" sz="1200" b="1" i="0" u="none" strike="noStrike" kern="1200" cap="none" spc="0" normalizeH="0" baseline="0" noProof="0" dirty="0">
-                <a:ln>
-                  <a:noFill/>
-                </a:ln>
-                <a:solidFill>
-                  <a:prstClr val="white">
-                    <a:lumMod val="50000"/>
-                  </a:prstClr>
-                </a:solidFill>
-                <a:effectLst/>
-                <a:uLnTx/>
-                <a:uFillTx/>
-                <a:latin typeface="Century Gothic" panose="020B0502020202020204" pitchFamily="34" charset="0"/>
-                <a:ea typeface="微软雅黑" panose="020B0503020204020204" charset="-122"/>
-                <a:cs typeface="+mn-cs"/>
-              </a:rPr>
-              <a:t>软件学院</a:t>
-            </a:r>
-            <a:r>
-              <a:rPr kumimoji="0" lang="en-US" altLang="zh-CN" sz="1200" b="1" i="0" u="none" strike="noStrike" kern="1200" cap="none" spc="0" normalizeH="0" baseline="0" noProof="0" dirty="0">
-                <a:ln>
-                  <a:noFill/>
-                </a:ln>
-                <a:solidFill>
-                  <a:prstClr val="white">
-                    <a:lumMod val="50000"/>
-                  </a:prstClr>
-                </a:solidFill>
-                <a:effectLst/>
-                <a:uLnTx/>
-                <a:uFillTx/>
-                <a:latin typeface="Century Gothic" panose="020B0502020202020204" pitchFamily="34" charset="0"/>
-                <a:ea typeface="微软雅黑" panose="020B0503020204020204" charset="-122"/>
-                <a:cs typeface="+mn-cs"/>
-              </a:rPr>
-              <a:t> </a:t>
-            </a:r>
-            <a:r>
-              <a:rPr kumimoji="0" lang="zh-CN" altLang="en-US" sz="1200" b="1" i="0" u="none" strike="noStrike" kern="1200" cap="none" spc="0" normalizeH="0" baseline="0" noProof="0" dirty="0">
-                <a:ln>
-                  <a:noFill/>
-                </a:ln>
-                <a:solidFill>
-                  <a:prstClr val="white">
-                    <a:lumMod val="50000"/>
-                  </a:prstClr>
-                </a:solidFill>
-                <a:effectLst/>
-                <a:uLnTx/>
-                <a:uFillTx/>
-                <a:latin typeface="Century Gothic" panose="020B0502020202020204" pitchFamily="34" charset="0"/>
-                <a:ea typeface="微软雅黑" panose="020B0503020204020204" charset="-122"/>
-                <a:cs typeface="+mn-cs"/>
-              </a:rPr>
-              <a:t>扶星辰</a:t>
-            </a:r>
-            <a:r>
-              <a:rPr kumimoji="0" lang="en-US" altLang="zh-CN" sz="1200" b="1" i="0" u="none" strike="noStrike" kern="1200" cap="none" spc="0" normalizeH="0" baseline="0" noProof="0" dirty="0">
-                <a:ln>
-                  <a:noFill/>
-                </a:ln>
-                <a:solidFill>
-                  <a:prstClr val="white">
-                    <a:lumMod val="50000"/>
-                  </a:prstClr>
-                </a:solidFill>
-                <a:effectLst/>
-                <a:uLnTx/>
-                <a:uFillTx/>
-                <a:latin typeface="Century Gothic" panose="020B0502020202020204" pitchFamily="34" charset="0"/>
-                <a:ea typeface="微软雅黑" panose="020B0503020204020204" charset="-122"/>
-                <a:cs typeface="+mn-cs"/>
-              </a:rPr>
-              <a:t> 19377251</a:t>
-            </a:r>
-            <a:endParaRPr kumimoji="0" lang="en-US" altLang="zh-CN" sz="1200" b="1" i="0" u="none" strike="noStrike" kern="1200" cap="none" spc="0" normalizeH="0" baseline="0" noProof="0" dirty="0">
-              <a:ln>
-                <a:noFill/>
-              </a:ln>
-              <a:solidFill>
-                <a:prstClr val="white">
-                  <a:lumMod val="50000"/>
-                </a:prstClr>
-              </a:solidFill>
-              <a:effectLst/>
-              <a:uLnTx/>
-              <a:uFillTx/>
-              <a:latin typeface="Century Gothic" panose="020B0502020202020204" pitchFamily="34" charset="0"/>
-              <a:ea typeface="微软雅黑" panose="020B0503020204020204" charset="-122"/>
-              <a:cs typeface="+mn-cs"/>
-            </a:endParaRPr>
-          </a:p>
-        </p:txBody>
-      </p:sp>
-      <p:sp>
-        <p:nvSpPr>
           <p:cNvPr id="10" name="矩形 9"/>
           <p:cNvSpPr/>
           <p:nvPr/>
@@ -8354,50 +8216,6 @@
                             </p:childTnLst>
                           </p:cTn>
                         </p:par>
-                        <p:par>
-                          <p:cTn id="27" fill="hold">
-                            <p:stCondLst>
-                              <p:cond delay="1500"/>
-                            </p:stCondLst>
-                            <p:childTnLst>
-                              <p:par>
-                                <p:cTn id="28" presetID="14" presetClass="entr" presetSubtype="10" fill="hold" grpId="0" nodeType="afterEffect">
-                                  <p:stCondLst>
-                                    <p:cond delay="0"/>
-                                  </p:stCondLst>
-                                  <p:childTnLst>
-                                    <p:set>
-                                      <p:cBhvr>
-                                        <p:cTn id="29" dur="1" fill="hold">
-                                          <p:stCondLst>
-                                            <p:cond delay="0"/>
-                                          </p:stCondLst>
-                                        </p:cTn>
-                                        <p:tgtEl>
-                                          <p:spTgt spid="2"/>
-                                        </p:tgtEl>
-                                        <p:attrNameLst>
-                                          <p:attrName>style.visibility</p:attrName>
-                                        </p:attrNameLst>
-                                      </p:cBhvr>
-                                      <p:to>
-                                        <p:strVal val="visible"/>
-                                      </p:to>
-                                    </p:set>
-                                    <p:animEffect transition="in" filter="randombar(horizontal)">
-                                      <p:cBhvr>
-                                        <p:cTn id="30" dur="500"/>
-                                        <p:tgtEl>
-                                          <p:spTgt spid="2"/>
-                                        </p:tgtEl>
-                                      </p:cBhvr>
-                                    </p:animEffect>
-                                  </p:childTnLst>
-                                </p:cTn>
-                              </p:par>
-                            </p:childTnLst>
-                          </p:cTn>
-                        </p:par>
                       </p:childTnLst>
                     </p:cTn>
                   </p:par>
@@ -8423,7 +8241,6 @@
       </p:par>
     </p:tnLst>
     <p:bldLst>
-      <p:bldP spid="2" grpId="0"/>
       <p:bldP spid="10" grpId="0"/>
       <p:bldP spid="3" grpId="0"/>
       <p:bldP spid="12" grpId="0"/>
